--- a/보고서/v1.2_학사관리시스템_침대학교_프로젝트_발표용.pptx
+++ b/보고서/v1.2_학사관리시스템_침대학교_프로젝트_발표용.pptx
@@ -281,7 +281,7 @@
                 </a:solidFill>
               </a:rPr>
               <a:pPr/>
-              <a:t>2023-05-11(Thu)</a:t>
+              <a:t>2023-05-12(Fri)</a:t>
             </a:fld>
             <a:endParaRPr lang="ko-KR" altLang="en-US" dirty="0">
               <a:solidFill>
@@ -511,7 +511,7 @@
                 </a:solidFill>
               </a:rPr>
               <a:pPr/>
-              <a:t>2023-05-11(Thu)</a:t>
+              <a:t>2023-05-12(Fri)</a:t>
             </a:fld>
             <a:endParaRPr lang="ko-KR" altLang="en-US" dirty="0">
               <a:solidFill>
@@ -751,7 +751,7 @@
                 </a:solidFill>
               </a:rPr>
               <a:pPr/>
-              <a:t>2023-05-11(Thu)</a:t>
+              <a:t>2023-05-12(Fri)</a:t>
             </a:fld>
             <a:endParaRPr lang="ko-KR" altLang="en-US" dirty="0">
               <a:solidFill>
@@ -1045,7 +1045,7 @@
                 <a:tabLst/>
                 <a:defRPr/>
               </a:pPr>
-              <a:t>2023-05-11(Thu)</a:t>
+              <a:t>2023-05-12(Fri)</a:t>
             </a:fld>
             <a:endParaRPr kumimoji="0" lang="ko-KR" altLang="en-US" sz="1200" b="0" i="0" u="none" strike="noStrike" kern="1200" cap="none" spc="0" normalizeH="0" baseline="0" noProof="0" dirty="0">
               <a:ln>
@@ -1403,7 +1403,7 @@
                 <a:tabLst/>
                 <a:defRPr/>
               </a:pPr>
-              <a:t>2023-05-11(Thu)</a:t>
+              <a:t>2023-05-12(Fri)</a:t>
             </a:fld>
             <a:endParaRPr kumimoji="0" lang="ko-KR" altLang="en-US" sz="1200" b="0" i="0" u="none" strike="noStrike" kern="1200" cap="none" spc="0" normalizeH="0" baseline="0" noProof="0" dirty="0">
               <a:ln>
@@ -1838,7 +1838,7 @@
                 <a:tabLst/>
                 <a:defRPr/>
               </a:pPr>
-              <a:t>2023-05-11(Thu)</a:t>
+              <a:t>2023-05-12(Fri)</a:t>
             </a:fld>
             <a:endParaRPr kumimoji="0" lang="ko-KR" altLang="en-US" sz="1200" b="0" i="0" u="none" strike="noStrike" kern="1200" cap="none" spc="0" normalizeH="0" baseline="0" noProof="0" dirty="0">
               <a:ln>
@@ -2263,7 +2263,7 @@
                 <a:tabLst/>
                 <a:defRPr/>
               </a:pPr>
-              <a:t>2023-05-11(Thu)</a:t>
+              <a:t>2023-05-12(Fri)</a:t>
             </a:fld>
             <a:endParaRPr kumimoji="0" lang="ko-KR" altLang="en-US" sz="1200" b="0" i="0" u="none" strike="noStrike" kern="1200" cap="none" spc="0" normalizeH="0" baseline="0" noProof="0" dirty="0">
               <a:ln>
@@ -2835,7 +2835,7 @@
                 <a:tabLst/>
                 <a:defRPr/>
               </a:pPr>
-              <a:t>2023-05-11(Thu)</a:t>
+              <a:t>2023-05-12(Fri)</a:t>
             </a:fld>
             <a:endParaRPr kumimoji="0" lang="ko-KR" altLang="en-US" sz="1200" b="0" i="0" u="none" strike="noStrike" kern="1200" cap="none" spc="0" normalizeH="0" baseline="0" noProof="0" dirty="0">
               <a:ln>
@@ -3136,7 +3136,7 @@
                 <a:tabLst/>
                 <a:defRPr/>
               </a:pPr>
-              <a:t>2023-05-11(Thu)</a:t>
+              <a:t>2023-05-12(Fri)</a:t>
             </a:fld>
             <a:endParaRPr kumimoji="0" lang="ko-KR" altLang="en-US" sz="1200" b="0" i="0" u="none" strike="noStrike" kern="1200" cap="none" spc="0" normalizeH="0" baseline="0" noProof="0" dirty="0">
               <a:ln>
@@ -3409,7 +3409,7 @@
                 <a:tabLst/>
                 <a:defRPr/>
               </a:pPr>
-              <a:t>2023-05-11(Thu)</a:t>
+              <a:t>2023-05-12(Fri)</a:t>
             </a:fld>
             <a:endParaRPr kumimoji="0" lang="ko-KR" altLang="en-US" sz="1200" b="0" i="0" u="none" strike="noStrike" kern="1200" cap="none" spc="0" normalizeH="0" baseline="0" noProof="0" dirty="0">
               <a:ln>
@@ -3880,7 +3880,7 @@
                 <a:tabLst/>
                 <a:defRPr/>
               </a:pPr>
-              <a:t>2023-05-11(Thu)</a:t>
+              <a:t>2023-05-12(Fri)</a:t>
             </a:fld>
             <a:endParaRPr kumimoji="0" lang="ko-KR" altLang="en-US" sz="1200" b="0" i="0" u="none" strike="noStrike" kern="1200" cap="none" spc="0" normalizeH="0" baseline="0" noProof="0" dirty="0">
               <a:ln>
@@ -4196,7 +4196,7 @@
                 </a:solidFill>
               </a:rPr>
               <a:pPr/>
-              <a:t>2023-05-11(Thu)</a:t>
+              <a:t>2023-05-12(Fri)</a:t>
             </a:fld>
             <a:endParaRPr lang="ko-KR" altLang="en-US" dirty="0">
               <a:solidFill>
@@ -4558,7 +4558,7 @@
                 <a:tabLst/>
                 <a:defRPr/>
               </a:pPr>
-              <a:t>2023-05-11(Thu)</a:t>
+              <a:t>2023-05-12(Fri)</a:t>
             </a:fld>
             <a:endParaRPr kumimoji="0" lang="ko-KR" altLang="en-US" sz="1200" b="0" i="0" u="none" strike="noStrike" kern="1200" cap="none" spc="0" normalizeH="0" baseline="0" noProof="0" dirty="0">
               <a:ln>
@@ -4916,7 +4916,7 @@
                 <a:tabLst/>
                 <a:defRPr/>
               </a:pPr>
-              <a:t>2023-05-11(Thu)</a:t>
+              <a:t>2023-05-12(Fri)</a:t>
             </a:fld>
             <a:endParaRPr kumimoji="0" lang="ko-KR" altLang="en-US" sz="1200" b="0" i="0" u="none" strike="noStrike" kern="1200" cap="none" spc="0" normalizeH="0" baseline="0" noProof="0" dirty="0">
               <a:ln>
@@ -5284,7 +5284,7 @@
                 <a:tabLst/>
                 <a:defRPr/>
               </a:pPr>
-              <a:t>2023-05-11(Thu)</a:t>
+              <a:t>2023-05-12(Fri)</a:t>
             </a:fld>
             <a:endParaRPr kumimoji="0" lang="ko-KR" altLang="en-US" sz="1200" b="0" i="0" u="none" strike="noStrike" kern="1200" cap="none" spc="0" normalizeH="0" baseline="0" noProof="0" dirty="0">
               <a:ln>
@@ -5677,7 +5677,7 @@
                 </a:solidFill>
               </a:rPr>
               <a:pPr/>
-              <a:t>2023-05-11(Thu)</a:t>
+              <a:t>2023-05-12(Fri)</a:t>
             </a:fld>
             <a:endParaRPr lang="ko-KR" altLang="en-US" dirty="0">
               <a:solidFill>
@@ -5974,7 +5974,7 @@
                 </a:solidFill>
               </a:rPr>
               <a:pPr/>
-              <a:t>2023-05-11(Thu)</a:t>
+              <a:t>2023-05-12(Fri)</a:t>
             </a:fld>
             <a:endParaRPr lang="ko-KR" altLang="en-US" dirty="0">
               <a:solidFill>
@@ -6418,7 +6418,7 @@
                 </a:solidFill>
               </a:rPr>
               <a:pPr/>
-              <a:t>2023-05-11(Thu)</a:t>
+              <a:t>2023-05-12(Fri)</a:t>
             </a:fld>
             <a:endParaRPr lang="ko-KR" altLang="en-US" dirty="0">
               <a:solidFill>
@@ -6591,7 +6591,7 @@
                 </a:solidFill>
               </a:rPr>
               <a:pPr/>
-              <a:t>2023-05-11(Thu)</a:t>
+              <a:t>2023-05-12(Fri)</a:t>
             </a:fld>
             <a:endParaRPr lang="ko-KR" altLang="en-US" dirty="0">
               <a:solidFill>
@@ -6736,7 +6736,7 @@
                 </a:solidFill>
               </a:rPr>
               <a:pPr/>
-              <a:t>2023-05-11(Thu)</a:t>
+              <a:t>2023-05-12(Fri)</a:t>
             </a:fld>
             <a:endParaRPr lang="ko-KR" altLang="en-US" dirty="0">
               <a:solidFill>
@@ -7079,7 +7079,7 @@
                 </a:solidFill>
               </a:rPr>
               <a:pPr/>
-              <a:t>2023-05-11(Thu)</a:t>
+              <a:t>2023-05-12(Fri)</a:t>
             </a:fld>
             <a:endParaRPr lang="ko-KR" altLang="en-US" dirty="0">
               <a:solidFill>
@@ -7399,7 +7399,7 @@
                 </a:solidFill>
               </a:rPr>
               <a:pPr/>
-              <a:t>2023-05-11(Thu)</a:t>
+              <a:t>2023-05-12(Fri)</a:t>
             </a:fld>
             <a:endParaRPr lang="ko-KR" altLang="en-US" dirty="0">
               <a:solidFill>
@@ -7672,7 +7672,7 @@
                 </a:solidFill>
               </a:rPr>
               <a:pPr/>
-              <a:t>2023-05-11(Thu)</a:t>
+              <a:t>2023-05-12(Fri)</a:t>
             </a:fld>
             <a:endParaRPr lang="ko-KR" altLang="en-US" dirty="0">
               <a:solidFill>
@@ -8314,7 +8314,7 @@
                 <a:tabLst/>
                 <a:defRPr/>
               </a:pPr>
-              <a:t>2023-05-11(Thu)</a:t>
+              <a:t>2023-05-12(Fri)</a:t>
             </a:fld>
             <a:endParaRPr kumimoji="0" lang="ko-KR" altLang="en-US" sz="1200" b="0" i="0" u="none" strike="noStrike" kern="1200" cap="none" spc="0" normalizeH="0" baseline="0" noProof="0" dirty="0">
               <a:ln>
@@ -17867,19 +17867,7 @@
                 </a:solidFill>
                 <a:ea typeface="Noto Sans KR" panose="020B0500000000000000" pitchFamily="34" charset="-127"/>
               </a:rPr>
-              <a:t>기획 </a:t>
-            </a:r>
-            <a:r>
-              <a:rPr lang="ko-KR" altLang="en-US" sz="1200" b="1" dirty="0" smtClean="0">
-                <a:solidFill>
-                  <a:prstClr val="black">
-                    <a:lumMod val="65000"/>
-                    <a:lumOff val="35000"/>
-                  </a:prstClr>
-                </a:solidFill>
-                <a:ea typeface="Noto Sans KR" panose="020B0500000000000000" pitchFamily="34" charset="-127"/>
-              </a:rPr>
-              <a:t>노력</a:t>
+              <a:t>기획 노력</a:t>
             </a:r>
             <a:endParaRPr lang="en-US" altLang="ko-KR" sz="1200" b="1" dirty="0" smtClean="0">
               <a:solidFill>
@@ -17903,6 +17891,192 @@
                 <a:ea typeface="Noto Sans KR" panose="020B0500000000000000" pitchFamily="34" charset="-127"/>
               </a:rPr>
               <a:t>성적 시스템 추가 보완</a:t>
+            </a:r>
+            <a:endParaRPr lang="en-US" altLang="ko-KR" sz="1200" b="1" dirty="0" smtClean="0">
+              <a:solidFill>
+                <a:prstClr val="black">
+                  <a:lumMod val="65000"/>
+                  <a:lumOff val="35000"/>
+                </a:prstClr>
+              </a:solidFill>
+              <a:ea typeface="Noto Sans KR" panose="020B0500000000000000" pitchFamily="34" charset="-127"/>
+            </a:endParaRPr>
+          </a:p>
+        </p:txBody>
+      </p:sp>
+      <p:sp>
+        <p:nvSpPr>
+          <p:cNvPr id="39" name="TextBox 38"/>
+          <p:cNvSpPr txBox="1"/>
+          <p:nvPr/>
+        </p:nvSpPr>
+        <p:spPr>
+          <a:xfrm>
+            <a:off x="4353578" y="5181054"/>
+            <a:ext cx="2387954" cy="1015663"/>
+          </a:xfrm>
+          <a:prstGeom prst="rect">
+            <a:avLst/>
+          </a:prstGeom>
+          <a:noFill/>
+        </p:spPr>
+        <p:txBody>
+          <a:bodyPr wrap="square" rtlCol="0">
+            <a:spAutoFit/>
+          </a:bodyPr>
+          <a:lstStyle/>
+          <a:p>
+            <a:r>
+              <a:rPr lang="ko-KR" altLang="en-US" sz="1200" b="1" dirty="0">
+                <a:solidFill>
+                  <a:prstClr val="black">
+                    <a:lumMod val="65000"/>
+                    <a:lumOff val="35000"/>
+                  </a:prstClr>
+                </a:solidFill>
+                <a:ea typeface="Noto Sans KR" panose="020B0500000000000000" pitchFamily="34" charset="-127"/>
+              </a:rPr>
+              <a:t>게시판 공감 기능 </a:t>
+            </a:r>
+            <a:r>
+              <a:rPr lang="ko-KR" altLang="en-US" sz="1200" b="1" dirty="0" smtClean="0">
+                <a:solidFill>
+                  <a:prstClr val="black">
+                    <a:lumMod val="65000"/>
+                    <a:lumOff val="35000"/>
+                  </a:prstClr>
+                </a:solidFill>
+                <a:ea typeface="Noto Sans KR" panose="020B0500000000000000" pitchFamily="34" charset="-127"/>
+              </a:rPr>
+              <a:t>부재</a:t>
+            </a:r>
+            <a:endParaRPr lang="en-US" altLang="ko-KR" sz="1200" b="1" dirty="0" smtClean="0">
+              <a:solidFill>
+                <a:prstClr val="black">
+                  <a:lumMod val="65000"/>
+                  <a:lumOff val="35000"/>
+                </a:prstClr>
+              </a:solidFill>
+              <a:ea typeface="Noto Sans KR" panose="020B0500000000000000" pitchFamily="34" charset="-127"/>
+            </a:endParaRPr>
+          </a:p>
+          <a:p>
+            <a:endParaRPr lang="ko-KR" altLang="en-US" sz="1200" b="1" dirty="0">
+              <a:solidFill>
+                <a:prstClr val="black">
+                  <a:lumMod val="65000"/>
+                  <a:lumOff val="35000"/>
+                </a:prstClr>
+              </a:solidFill>
+              <a:ea typeface="Noto Sans KR" panose="020B0500000000000000" pitchFamily="34" charset="-127"/>
+            </a:endParaRPr>
+          </a:p>
+          <a:p>
+            <a:r>
+              <a:rPr lang="ko-KR" altLang="en-US" sz="1200" b="1" dirty="0">
+                <a:solidFill>
+                  <a:prstClr val="black">
+                    <a:lumMod val="65000"/>
+                    <a:lumOff val="35000"/>
+                  </a:prstClr>
+                </a:solidFill>
+                <a:ea typeface="Noto Sans KR" panose="020B0500000000000000" pitchFamily="34" charset="-127"/>
+              </a:rPr>
+              <a:t>직관적인 </a:t>
+            </a:r>
+            <a:r>
+              <a:rPr lang="en-US" altLang="ko-KR" sz="1200" b="1" dirty="0">
+                <a:solidFill>
+                  <a:prstClr val="black">
+                    <a:lumMod val="65000"/>
+                    <a:lumOff val="35000"/>
+                  </a:prstClr>
+                </a:solidFill>
+                <a:ea typeface="Noto Sans KR" panose="020B0500000000000000" pitchFamily="34" charset="-127"/>
+              </a:rPr>
+              <a:t>UX/UI </a:t>
+            </a:r>
+            <a:r>
+              <a:rPr lang="ko-KR" altLang="en-US" sz="1200" b="1" dirty="0" smtClean="0">
+                <a:solidFill>
+                  <a:prstClr val="black">
+                    <a:lumMod val="65000"/>
+                    <a:lumOff val="35000"/>
+                  </a:prstClr>
+                </a:solidFill>
+                <a:ea typeface="Noto Sans KR" panose="020B0500000000000000" pitchFamily="34" charset="-127"/>
+              </a:rPr>
+              <a:t>디자인</a:t>
+            </a:r>
+            <a:endParaRPr lang="en-US" altLang="ko-KR" sz="1200" b="1" dirty="0" smtClean="0">
+              <a:solidFill>
+                <a:prstClr val="black">
+                  <a:lumMod val="65000"/>
+                  <a:lumOff val="35000"/>
+                </a:prstClr>
+              </a:solidFill>
+              <a:ea typeface="Noto Sans KR" panose="020B0500000000000000" pitchFamily="34" charset="-127"/>
+            </a:endParaRPr>
+          </a:p>
+          <a:p>
+            <a:endParaRPr lang="ko-KR" altLang="en-US" sz="1200" b="1" dirty="0">
+              <a:solidFill>
+                <a:prstClr val="black">
+                  <a:lumMod val="65000"/>
+                  <a:lumOff val="35000"/>
+                </a:prstClr>
+              </a:solidFill>
+              <a:ea typeface="Noto Sans KR" panose="020B0500000000000000" pitchFamily="34" charset="-127"/>
+            </a:endParaRPr>
+          </a:p>
+          <a:p>
+            <a:r>
+              <a:rPr lang="ko-KR" altLang="en-US" sz="1200" b="1" dirty="0">
+                <a:solidFill>
+                  <a:prstClr val="black">
+                    <a:lumMod val="65000"/>
+                    <a:lumOff val="35000"/>
+                  </a:prstClr>
+                </a:solidFill>
+                <a:ea typeface="Noto Sans KR" panose="020B0500000000000000" pitchFamily="34" charset="-127"/>
+              </a:rPr>
+              <a:t>프로필 사진 파일 </a:t>
+            </a:r>
+            <a:r>
+              <a:rPr lang="ko-KR" altLang="en-US" sz="1200" b="1" dirty="0" err="1">
+                <a:solidFill>
+                  <a:prstClr val="black">
+                    <a:lumMod val="65000"/>
+                    <a:lumOff val="35000"/>
+                  </a:prstClr>
+                </a:solidFill>
+                <a:ea typeface="Noto Sans KR" panose="020B0500000000000000" pitchFamily="34" charset="-127"/>
+              </a:rPr>
+              <a:t>확장자</a:t>
+            </a:r>
+            <a:r>
+              <a:rPr lang="ko-KR" altLang="en-US" sz="1200" b="1" dirty="0">
+                <a:solidFill>
+                  <a:prstClr val="black">
+                    <a:lumMod val="65000"/>
+                    <a:lumOff val="35000"/>
+                  </a:prstClr>
+                </a:solidFill>
+                <a:ea typeface="Noto Sans KR" panose="020B0500000000000000" pitchFamily="34" charset="-127"/>
+              </a:rPr>
+              <a:t> </a:t>
+            </a:r>
+            <a:r>
+              <a:rPr lang="ko-KR" altLang="en-US" sz="1200" b="1" dirty="0" err="1">
+                <a:solidFill>
+                  <a:prstClr val="black">
+                    <a:lumMod val="65000"/>
+                    <a:lumOff val="35000"/>
+                  </a:prstClr>
+                </a:solidFill>
+                <a:ea typeface="Noto Sans KR" panose="020B0500000000000000" pitchFamily="34" charset="-127"/>
+              </a:rPr>
+              <a:t>필터링</a:t>
             </a:r>
             <a:endParaRPr lang="en-US" altLang="ko-KR" sz="1200" b="1" dirty="0" smtClean="0">
               <a:solidFill>
